--- a/ppt 16-9/1585.竭诚献上.pptx
+++ b/ppt 16-9/1585.竭诚献上.pptx
@@ -5,7 +5,7 @@
     <p:sldMasterId id="2147483648" r:id="rId1"/>
   </p:sldMasterIdLst>
   <p:sldIdLst>
-    <p:sldId id="3442" r:id="rId2"/>
+    <p:sldId id="3443" r:id="rId2"/>
   </p:sldIdLst>
   <p:sldSz cx="12192000" cy="6858000"/>
   <p:notesSz cx="6858000" cy="9144000"/>
@@ -129,7 +129,7 @@
           <p:cNvPr id="2" name="标题 1">
             <a:extLst>
               <a:ext uri="{FF2B5EF4-FFF2-40B4-BE49-F238E27FC236}">
-                <a16:creationId xmlns:a16="http://schemas.microsoft.com/office/drawing/2014/main" id="{CF904F22-EC73-1C66-2DAA-4D94F2AC62EC}"/>
+                <a16:creationId xmlns:a16="http://schemas.microsoft.com/office/drawing/2014/main" id="{923E0E3E-2DEF-501D-1565-BD3D88918EE3}"/>
               </a:ext>
             </a:extLst>
           </p:cNvPr>
@@ -166,7 +166,7 @@
           <p:cNvPr id="3" name="副标题 2">
             <a:extLst>
               <a:ext uri="{FF2B5EF4-FFF2-40B4-BE49-F238E27FC236}">
-                <a16:creationId xmlns:a16="http://schemas.microsoft.com/office/drawing/2014/main" id="{62380A36-F8A9-6CBB-1EB5-89FA2E0CFB9E}"/>
+                <a16:creationId xmlns:a16="http://schemas.microsoft.com/office/drawing/2014/main" id="{3CFA6C11-4E24-CBCE-2BDE-EE9EFF809DAD}"/>
               </a:ext>
             </a:extLst>
           </p:cNvPr>
@@ -236,7 +236,7 @@
           <p:cNvPr id="4" name="日期占位符 3">
             <a:extLst>
               <a:ext uri="{FF2B5EF4-FFF2-40B4-BE49-F238E27FC236}">
-                <a16:creationId xmlns:a16="http://schemas.microsoft.com/office/drawing/2014/main" id="{E6B491BF-20AC-CC57-2DEB-176FA977A1CD}"/>
+                <a16:creationId xmlns:a16="http://schemas.microsoft.com/office/drawing/2014/main" id="{0CAC5F5A-3C0C-591B-1488-81E78ED22202}"/>
               </a:ext>
             </a:extLst>
           </p:cNvPr>
@@ -252,7 +252,7 @@
           <a:bodyPr/>
           <a:lstStyle/>
           <a:p>
-            <a:fld id="{690654AA-EE5D-4B61-91C5-D26C267DF60B}" type="datetimeFigureOut">
+            <a:fld id="{CD18CEDD-E33A-468B-9741-2C77CE1449D1}" type="datetimeFigureOut">
               <a:rPr lang="zh-CN" altLang="en-US" smtClean="0"/>
               <a:t>2024/3/10</a:t>
             </a:fld>
@@ -265,7 +265,7 @@
           <p:cNvPr id="5" name="页脚占位符 4">
             <a:extLst>
               <a:ext uri="{FF2B5EF4-FFF2-40B4-BE49-F238E27FC236}">
-                <a16:creationId xmlns:a16="http://schemas.microsoft.com/office/drawing/2014/main" id="{F1579520-70CC-9857-3E71-D5B8166E4CC8}"/>
+                <a16:creationId xmlns:a16="http://schemas.microsoft.com/office/drawing/2014/main" id="{98F1B43A-1FC1-2861-AA99-C08ED96FDD3E}"/>
               </a:ext>
             </a:extLst>
           </p:cNvPr>
@@ -290,7 +290,7 @@
           <p:cNvPr id="6" name="灯片编号占位符 5">
             <a:extLst>
               <a:ext uri="{FF2B5EF4-FFF2-40B4-BE49-F238E27FC236}">
-                <a16:creationId xmlns:a16="http://schemas.microsoft.com/office/drawing/2014/main" id="{751C9058-8843-8182-0692-6937F811FCB3}"/>
+                <a16:creationId xmlns:a16="http://schemas.microsoft.com/office/drawing/2014/main" id="{E4B6C27A-BBE4-1EA7-0384-3BCC95B5CCE3}"/>
               </a:ext>
             </a:extLst>
           </p:cNvPr>
@@ -306,7 +306,7 @@
           <a:bodyPr/>
           <a:lstStyle/>
           <a:p>
-            <a:fld id="{23C01A52-0305-4442-8CFE-218AD46E2198}" type="slidenum">
+            <a:fld id="{BFC5C9EE-B59F-4AB1-B31E-3424B4ADB36A}" type="slidenum">
               <a:rPr lang="zh-CN" altLang="en-US" smtClean="0"/>
               <a:t>‹#›</a:t>
             </a:fld>
@@ -317,7 +317,7 @@
     </p:spTree>
     <p:extLst>
       <p:ext uri="{BB962C8B-B14F-4D97-AF65-F5344CB8AC3E}">
-        <p14:creationId xmlns:p14="http://schemas.microsoft.com/office/powerpoint/2010/main" val="2786646950"/>
+        <p14:creationId xmlns:p14="http://schemas.microsoft.com/office/powerpoint/2010/main" val="4059473596"/>
       </p:ext>
     </p:extLst>
   </p:cSld>
@@ -349,7 +349,7 @@
           <p:cNvPr id="2" name="标题 1">
             <a:extLst>
               <a:ext uri="{FF2B5EF4-FFF2-40B4-BE49-F238E27FC236}">
-                <a16:creationId xmlns:a16="http://schemas.microsoft.com/office/drawing/2014/main" id="{50B31CA7-BBCD-31D1-892B-A452EE129B43}"/>
+                <a16:creationId xmlns:a16="http://schemas.microsoft.com/office/drawing/2014/main" id="{ABA83374-AB12-F2B0-C5E0-735BA424BC28}"/>
               </a:ext>
             </a:extLst>
           </p:cNvPr>
@@ -377,7 +377,7 @@
           <p:cNvPr id="3" name="竖排文字占位符 2">
             <a:extLst>
               <a:ext uri="{FF2B5EF4-FFF2-40B4-BE49-F238E27FC236}">
-                <a16:creationId xmlns:a16="http://schemas.microsoft.com/office/drawing/2014/main" id="{4289C8FC-B4AF-D682-0DFB-B762398EEA8E}"/>
+                <a16:creationId xmlns:a16="http://schemas.microsoft.com/office/drawing/2014/main" id="{AC94761F-30C8-560B-01ED-B11111BE3766}"/>
               </a:ext>
             </a:extLst>
           </p:cNvPr>
@@ -434,7 +434,7 @@
           <p:cNvPr id="4" name="日期占位符 3">
             <a:extLst>
               <a:ext uri="{FF2B5EF4-FFF2-40B4-BE49-F238E27FC236}">
-                <a16:creationId xmlns:a16="http://schemas.microsoft.com/office/drawing/2014/main" id="{41F5A8E6-1212-D41F-21A1-4223BB2E9505}"/>
+                <a16:creationId xmlns:a16="http://schemas.microsoft.com/office/drawing/2014/main" id="{41CB7B39-FF75-F76A-163C-520C5AF68F9E}"/>
               </a:ext>
             </a:extLst>
           </p:cNvPr>
@@ -450,7 +450,7 @@
           <a:bodyPr/>
           <a:lstStyle/>
           <a:p>
-            <a:fld id="{690654AA-EE5D-4B61-91C5-D26C267DF60B}" type="datetimeFigureOut">
+            <a:fld id="{CD18CEDD-E33A-468B-9741-2C77CE1449D1}" type="datetimeFigureOut">
               <a:rPr lang="zh-CN" altLang="en-US" smtClean="0"/>
               <a:t>2024/3/10</a:t>
             </a:fld>
@@ -463,7 +463,7 @@
           <p:cNvPr id="5" name="页脚占位符 4">
             <a:extLst>
               <a:ext uri="{FF2B5EF4-FFF2-40B4-BE49-F238E27FC236}">
-                <a16:creationId xmlns:a16="http://schemas.microsoft.com/office/drawing/2014/main" id="{A171AB18-2B62-0910-79F0-37D04DF3BBE5}"/>
+                <a16:creationId xmlns:a16="http://schemas.microsoft.com/office/drawing/2014/main" id="{9A02E9CE-0EA1-5AD0-5737-41743BACF514}"/>
               </a:ext>
             </a:extLst>
           </p:cNvPr>
@@ -488,7 +488,7 @@
           <p:cNvPr id="6" name="灯片编号占位符 5">
             <a:extLst>
               <a:ext uri="{FF2B5EF4-FFF2-40B4-BE49-F238E27FC236}">
-                <a16:creationId xmlns:a16="http://schemas.microsoft.com/office/drawing/2014/main" id="{E4FF6714-D441-AA78-8CBF-B8191CA7E8E5}"/>
+                <a16:creationId xmlns:a16="http://schemas.microsoft.com/office/drawing/2014/main" id="{A505D632-B423-D87C-C17D-6FC0C72C4759}"/>
               </a:ext>
             </a:extLst>
           </p:cNvPr>
@@ -504,7 +504,7 @@
           <a:bodyPr/>
           <a:lstStyle/>
           <a:p>
-            <a:fld id="{23C01A52-0305-4442-8CFE-218AD46E2198}" type="slidenum">
+            <a:fld id="{BFC5C9EE-B59F-4AB1-B31E-3424B4ADB36A}" type="slidenum">
               <a:rPr lang="zh-CN" altLang="en-US" smtClean="0"/>
               <a:t>‹#›</a:t>
             </a:fld>
@@ -515,7 +515,7 @@
     </p:spTree>
     <p:extLst>
       <p:ext uri="{BB962C8B-B14F-4D97-AF65-F5344CB8AC3E}">
-        <p14:creationId xmlns:p14="http://schemas.microsoft.com/office/powerpoint/2010/main" val="3956139058"/>
+        <p14:creationId xmlns:p14="http://schemas.microsoft.com/office/powerpoint/2010/main" val="2532771119"/>
       </p:ext>
     </p:extLst>
   </p:cSld>
@@ -547,7 +547,7 @@
           <p:cNvPr id="2" name="竖排标题 1">
             <a:extLst>
               <a:ext uri="{FF2B5EF4-FFF2-40B4-BE49-F238E27FC236}">
-                <a16:creationId xmlns:a16="http://schemas.microsoft.com/office/drawing/2014/main" id="{B497A404-141F-8757-16D5-57BE9A6674CB}"/>
+                <a16:creationId xmlns:a16="http://schemas.microsoft.com/office/drawing/2014/main" id="{0B623CDF-51AA-3E1A-DDD6-98B65FDEF31A}"/>
               </a:ext>
             </a:extLst>
           </p:cNvPr>
@@ -580,7 +580,7 @@
           <p:cNvPr id="3" name="竖排文字占位符 2">
             <a:extLst>
               <a:ext uri="{FF2B5EF4-FFF2-40B4-BE49-F238E27FC236}">
-                <a16:creationId xmlns:a16="http://schemas.microsoft.com/office/drawing/2014/main" id="{B3B0F612-EA5D-8D65-9560-C84B8FD30633}"/>
+                <a16:creationId xmlns:a16="http://schemas.microsoft.com/office/drawing/2014/main" id="{7B9DDB4C-E518-428B-1C10-40DFD30EA0E2}"/>
               </a:ext>
             </a:extLst>
           </p:cNvPr>
@@ -642,7 +642,7 @@
           <p:cNvPr id="4" name="日期占位符 3">
             <a:extLst>
               <a:ext uri="{FF2B5EF4-FFF2-40B4-BE49-F238E27FC236}">
-                <a16:creationId xmlns:a16="http://schemas.microsoft.com/office/drawing/2014/main" id="{858B0A65-E0EB-6D56-83DA-735AF261C65E}"/>
+                <a16:creationId xmlns:a16="http://schemas.microsoft.com/office/drawing/2014/main" id="{9EBB4EAC-582D-EC18-D0B1-7DAB104C0421}"/>
               </a:ext>
             </a:extLst>
           </p:cNvPr>
@@ -658,7 +658,7 @@
           <a:bodyPr/>
           <a:lstStyle/>
           <a:p>
-            <a:fld id="{690654AA-EE5D-4B61-91C5-D26C267DF60B}" type="datetimeFigureOut">
+            <a:fld id="{CD18CEDD-E33A-468B-9741-2C77CE1449D1}" type="datetimeFigureOut">
               <a:rPr lang="zh-CN" altLang="en-US" smtClean="0"/>
               <a:t>2024/3/10</a:t>
             </a:fld>
@@ -671,7 +671,7 @@
           <p:cNvPr id="5" name="页脚占位符 4">
             <a:extLst>
               <a:ext uri="{FF2B5EF4-FFF2-40B4-BE49-F238E27FC236}">
-                <a16:creationId xmlns:a16="http://schemas.microsoft.com/office/drawing/2014/main" id="{ED858DF2-AA4D-6B00-FA43-CFB08CD0F6B4}"/>
+                <a16:creationId xmlns:a16="http://schemas.microsoft.com/office/drawing/2014/main" id="{CC410F92-1263-BBE0-AF36-2E4E4B9D2102}"/>
               </a:ext>
             </a:extLst>
           </p:cNvPr>
@@ -696,7 +696,7 @@
           <p:cNvPr id="6" name="灯片编号占位符 5">
             <a:extLst>
               <a:ext uri="{FF2B5EF4-FFF2-40B4-BE49-F238E27FC236}">
-                <a16:creationId xmlns:a16="http://schemas.microsoft.com/office/drawing/2014/main" id="{D21D1DE9-7C91-FAC0-3CDB-BB7645255EAC}"/>
+                <a16:creationId xmlns:a16="http://schemas.microsoft.com/office/drawing/2014/main" id="{6CAA8081-0C7D-A71F-1872-B00747877508}"/>
               </a:ext>
             </a:extLst>
           </p:cNvPr>
@@ -712,7 +712,7 @@
           <a:bodyPr/>
           <a:lstStyle/>
           <a:p>
-            <a:fld id="{23C01A52-0305-4442-8CFE-218AD46E2198}" type="slidenum">
+            <a:fld id="{BFC5C9EE-B59F-4AB1-B31E-3424B4ADB36A}" type="slidenum">
               <a:rPr lang="zh-CN" altLang="en-US" smtClean="0"/>
               <a:t>‹#›</a:t>
             </a:fld>
@@ -723,7 +723,7 @@
     </p:spTree>
     <p:extLst>
       <p:ext uri="{BB962C8B-B14F-4D97-AF65-F5344CB8AC3E}">
-        <p14:creationId xmlns:p14="http://schemas.microsoft.com/office/powerpoint/2010/main" val="3140467691"/>
+        <p14:creationId xmlns:p14="http://schemas.microsoft.com/office/powerpoint/2010/main" val="881159365"/>
       </p:ext>
     </p:extLst>
   </p:cSld>
@@ -755,7 +755,7 @@
           <p:cNvPr id="2" name="标题 1">
             <a:extLst>
               <a:ext uri="{FF2B5EF4-FFF2-40B4-BE49-F238E27FC236}">
-                <a16:creationId xmlns:a16="http://schemas.microsoft.com/office/drawing/2014/main" id="{4FC3FECC-3B8A-3321-8BD0-BFC5E89451B8}"/>
+                <a16:creationId xmlns:a16="http://schemas.microsoft.com/office/drawing/2014/main" id="{D94560F4-3D94-0BF0-40DA-4C41F49643F8}"/>
               </a:ext>
             </a:extLst>
           </p:cNvPr>
@@ -783,7 +783,7 @@
           <p:cNvPr id="3" name="内容占位符 2">
             <a:extLst>
               <a:ext uri="{FF2B5EF4-FFF2-40B4-BE49-F238E27FC236}">
-                <a16:creationId xmlns:a16="http://schemas.microsoft.com/office/drawing/2014/main" id="{9C71FC23-EA0A-E8B4-CE68-2C74110A588C}"/>
+                <a16:creationId xmlns:a16="http://schemas.microsoft.com/office/drawing/2014/main" id="{D33F1A26-39E6-90D8-3CE8-C0AF47892939}"/>
               </a:ext>
             </a:extLst>
           </p:cNvPr>
@@ -840,7 +840,7 @@
           <p:cNvPr id="4" name="日期占位符 3">
             <a:extLst>
               <a:ext uri="{FF2B5EF4-FFF2-40B4-BE49-F238E27FC236}">
-                <a16:creationId xmlns:a16="http://schemas.microsoft.com/office/drawing/2014/main" id="{1C1B8126-599A-CB70-9E62-06DFDF00C4AA}"/>
+                <a16:creationId xmlns:a16="http://schemas.microsoft.com/office/drawing/2014/main" id="{7F995FCC-80F3-4311-78F2-219417E7D04B}"/>
               </a:ext>
             </a:extLst>
           </p:cNvPr>
@@ -856,7 +856,7 @@
           <a:bodyPr/>
           <a:lstStyle/>
           <a:p>
-            <a:fld id="{690654AA-EE5D-4B61-91C5-D26C267DF60B}" type="datetimeFigureOut">
+            <a:fld id="{CD18CEDD-E33A-468B-9741-2C77CE1449D1}" type="datetimeFigureOut">
               <a:rPr lang="zh-CN" altLang="en-US" smtClean="0"/>
               <a:t>2024/3/10</a:t>
             </a:fld>
@@ -869,7 +869,7 @@
           <p:cNvPr id="5" name="页脚占位符 4">
             <a:extLst>
               <a:ext uri="{FF2B5EF4-FFF2-40B4-BE49-F238E27FC236}">
-                <a16:creationId xmlns:a16="http://schemas.microsoft.com/office/drawing/2014/main" id="{BF97171C-CFEA-3701-6FF3-757FC6D20BC4}"/>
+                <a16:creationId xmlns:a16="http://schemas.microsoft.com/office/drawing/2014/main" id="{2B8B96E6-749C-106C-8137-C310CFBBC5E2}"/>
               </a:ext>
             </a:extLst>
           </p:cNvPr>
@@ -894,7 +894,7 @@
           <p:cNvPr id="6" name="灯片编号占位符 5">
             <a:extLst>
               <a:ext uri="{FF2B5EF4-FFF2-40B4-BE49-F238E27FC236}">
-                <a16:creationId xmlns:a16="http://schemas.microsoft.com/office/drawing/2014/main" id="{2B47031D-FE7A-4954-E6B8-5A3214331BA1}"/>
+                <a16:creationId xmlns:a16="http://schemas.microsoft.com/office/drawing/2014/main" id="{0A1CB49C-14ED-30EA-1C12-E9CD32196CAD}"/>
               </a:ext>
             </a:extLst>
           </p:cNvPr>
@@ -910,7 +910,7 @@
           <a:bodyPr/>
           <a:lstStyle/>
           <a:p>
-            <a:fld id="{23C01A52-0305-4442-8CFE-218AD46E2198}" type="slidenum">
+            <a:fld id="{BFC5C9EE-B59F-4AB1-B31E-3424B4ADB36A}" type="slidenum">
               <a:rPr lang="zh-CN" altLang="en-US" smtClean="0"/>
               <a:t>‹#›</a:t>
             </a:fld>
@@ -921,7 +921,7 @@
     </p:spTree>
     <p:extLst>
       <p:ext uri="{BB962C8B-B14F-4D97-AF65-F5344CB8AC3E}">
-        <p14:creationId xmlns:p14="http://schemas.microsoft.com/office/powerpoint/2010/main" val="269597596"/>
+        <p14:creationId xmlns:p14="http://schemas.microsoft.com/office/powerpoint/2010/main" val="1261477714"/>
       </p:ext>
     </p:extLst>
   </p:cSld>
@@ -953,7 +953,7 @@
           <p:cNvPr id="2" name="标题 1">
             <a:extLst>
               <a:ext uri="{FF2B5EF4-FFF2-40B4-BE49-F238E27FC236}">
-                <a16:creationId xmlns:a16="http://schemas.microsoft.com/office/drawing/2014/main" id="{28A6D7ED-78DF-398F-67A0-DD6B0F55120F}"/>
+                <a16:creationId xmlns:a16="http://schemas.microsoft.com/office/drawing/2014/main" id="{70510041-FB38-6824-567B-20DFE1A5804D}"/>
               </a:ext>
             </a:extLst>
           </p:cNvPr>
@@ -990,7 +990,7 @@
           <p:cNvPr id="3" name="文本占位符 2">
             <a:extLst>
               <a:ext uri="{FF2B5EF4-FFF2-40B4-BE49-F238E27FC236}">
-                <a16:creationId xmlns:a16="http://schemas.microsoft.com/office/drawing/2014/main" id="{A03B9272-9B8A-DA55-F27A-02DE86895186}"/>
+                <a16:creationId xmlns:a16="http://schemas.microsoft.com/office/drawing/2014/main" id="{C21E9C26-CE0C-1FAE-ABBA-F15BEB0C5E50}"/>
               </a:ext>
             </a:extLst>
           </p:cNvPr>
@@ -1115,7 +1115,7 @@
           <p:cNvPr id="4" name="日期占位符 3">
             <a:extLst>
               <a:ext uri="{FF2B5EF4-FFF2-40B4-BE49-F238E27FC236}">
-                <a16:creationId xmlns:a16="http://schemas.microsoft.com/office/drawing/2014/main" id="{41EB41B9-90C3-0715-86B0-7CDB54AD5530}"/>
+                <a16:creationId xmlns:a16="http://schemas.microsoft.com/office/drawing/2014/main" id="{8F958D8F-429D-8EAF-DB4E-ADF386915C69}"/>
               </a:ext>
             </a:extLst>
           </p:cNvPr>
@@ -1131,7 +1131,7 @@
           <a:bodyPr/>
           <a:lstStyle/>
           <a:p>
-            <a:fld id="{690654AA-EE5D-4B61-91C5-D26C267DF60B}" type="datetimeFigureOut">
+            <a:fld id="{CD18CEDD-E33A-468B-9741-2C77CE1449D1}" type="datetimeFigureOut">
               <a:rPr lang="zh-CN" altLang="en-US" smtClean="0"/>
               <a:t>2024/3/10</a:t>
             </a:fld>
@@ -1144,7 +1144,7 @@
           <p:cNvPr id="5" name="页脚占位符 4">
             <a:extLst>
               <a:ext uri="{FF2B5EF4-FFF2-40B4-BE49-F238E27FC236}">
-                <a16:creationId xmlns:a16="http://schemas.microsoft.com/office/drawing/2014/main" id="{786AE9D8-D234-C388-BA0D-DD514A0D2D6F}"/>
+                <a16:creationId xmlns:a16="http://schemas.microsoft.com/office/drawing/2014/main" id="{9F7A669F-CB3E-4C9C-911F-C6DA74F96904}"/>
               </a:ext>
             </a:extLst>
           </p:cNvPr>
@@ -1169,7 +1169,7 @@
           <p:cNvPr id="6" name="灯片编号占位符 5">
             <a:extLst>
               <a:ext uri="{FF2B5EF4-FFF2-40B4-BE49-F238E27FC236}">
-                <a16:creationId xmlns:a16="http://schemas.microsoft.com/office/drawing/2014/main" id="{25E74D25-F313-BC66-ED48-1F274FDB1FFD}"/>
+                <a16:creationId xmlns:a16="http://schemas.microsoft.com/office/drawing/2014/main" id="{EA018E3A-CA9D-635C-5808-8BC583FE3508}"/>
               </a:ext>
             </a:extLst>
           </p:cNvPr>
@@ -1185,7 +1185,7 @@
           <a:bodyPr/>
           <a:lstStyle/>
           <a:p>
-            <a:fld id="{23C01A52-0305-4442-8CFE-218AD46E2198}" type="slidenum">
+            <a:fld id="{BFC5C9EE-B59F-4AB1-B31E-3424B4ADB36A}" type="slidenum">
               <a:rPr lang="zh-CN" altLang="en-US" smtClean="0"/>
               <a:t>‹#›</a:t>
             </a:fld>
@@ -1196,7 +1196,7 @@
     </p:spTree>
     <p:extLst>
       <p:ext uri="{BB962C8B-B14F-4D97-AF65-F5344CB8AC3E}">
-        <p14:creationId xmlns:p14="http://schemas.microsoft.com/office/powerpoint/2010/main" val="1381790536"/>
+        <p14:creationId xmlns:p14="http://schemas.microsoft.com/office/powerpoint/2010/main" val="987133477"/>
       </p:ext>
     </p:extLst>
   </p:cSld>
@@ -1228,7 +1228,7 @@
           <p:cNvPr id="2" name="标题 1">
             <a:extLst>
               <a:ext uri="{FF2B5EF4-FFF2-40B4-BE49-F238E27FC236}">
-                <a16:creationId xmlns:a16="http://schemas.microsoft.com/office/drawing/2014/main" id="{7639B949-B6F0-CEC5-1782-C39700F4B0E0}"/>
+                <a16:creationId xmlns:a16="http://schemas.microsoft.com/office/drawing/2014/main" id="{C61BC8AA-0795-13EC-DFAE-9A6F7DAF9DCA}"/>
               </a:ext>
             </a:extLst>
           </p:cNvPr>
@@ -1256,7 +1256,7 @@
           <p:cNvPr id="3" name="内容占位符 2">
             <a:extLst>
               <a:ext uri="{FF2B5EF4-FFF2-40B4-BE49-F238E27FC236}">
-                <a16:creationId xmlns:a16="http://schemas.microsoft.com/office/drawing/2014/main" id="{E6373A5D-33BC-B4FA-D1AD-7344F3B69077}"/>
+                <a16:creationId xmlns:a16="http://schemas.microsoft.com/office/drawing/2014/main" id="{3149554E-18E8-C669-5648-C1E04B477953}"/>
               </a:ext>
             </a:extLst>
           </p:cNvPr>
@@ -1318,7 +1318,7 @@
           <p:cNvPr id="4" name="内容占位符 3">
             <a:extLst>
               <a:ext uri="{FF2B5EF4-FFF2-40B4-BE49-F238E27FC236}">
-                <a16:creationId xmlns:a16="http://schemas.microsoft.com/office/drawing/2014/main" id="{70E911E0-30E3-FBAB-FC92-12E695EB307C}"/>
+                <a16:creationId xmlns:a16="http://schemas.microsoft.com/office/drawing/2014/main" id="{A0738B09-DAA6-9201-9D98-AD380A4072B3}"/>
               </a:ext>
             </a:extLst>
           </p:cNvPr>
@@ -1380,7 +1380,7 @@
           <p:cNvPr id="5" name="日期占位符 4">
             <a:extLst>
               <a:ext uri="{FF2B5EF4-FFF2-40B4-BE49-F238E27FC236}">
-                <a16:creationId xmlns:a16="http://schemas.microsoft.com/office/drawing/2014/main" id="{6BEBC6C2-3BBC-1562-DBAA-2EC7E5E3E4BA}"/>
+                <a16:creationId xmlns:a16="http://schemas.microsoft.com/office/drawing/2014/main" id="{D235D1AF-4E56-48CD-73B4-242BC876CA6F}"/>
               </a:ext>
             </a:extLst>
           </p:cNvPr>
@@ -1396,7 +1396,7 @@
           <a:bodyPr/>
           <a:lstStyle/>
           <a:p>
-            <a:fld id="{690654AA-EE5D-4B61-91C5-D26C267DF60B}" type="datetimeFigureOut">
+            <a:fld id="{CD18CEDD-E33A-468B-9741-2C77CE1449D1}" type="datetimeFigureOut">
               <a:rPr lang="zh-CN" altLang="en-US" smtClean="0"/>
               <a:t>2024/3/10</a:t>
             </a:fld>
@@ -1409,7 +1409,7 @@
           <p:cNvPr id="6" name="页脚占位符 5">
             <a:extLst>
               <a:ext uri="{FF2B5EF4-FFF2-40B4-BE49-F238E27FC236}">
-                <a16:creationId xmlns:a16="http://schemas.microsoft.com/office/drawing/2014/main" id="{E3D6E1CD-5165-2940-0E13-32E3BE98F729}"/>
+                <a16:creationId xmlns:a16="http://schemas.microsoft.com/office/drawing/2014/main" id="{1606191D-B115-AF4E-76BA-BC16AC23CD44}"/>
               </a:ext>
             </a:extLst>
           </p:cNvPr>
@@ -1434,7 +1434,7 @@
           <p:cNvPr id="7" name="灯片编号占位符 6">
             <a:extLst>
               <a:ext uri="{FF2B5EF4-FFF2-40B4-BE49-F238E27FC236}">
-                <a16:creationId xmlns:a16="http://schemas.microsoft.com/office/drawing/2014/main" id="{D259A2F2-A722-9888-873D-C97EE89C8FF5}"/>
+                <a16:creationId xmlns:a16="http://schemas.microsoft.com/office/drawing/2014/main" id="{D87D3F6D-1A0F-825F-BBC1-4EFC2F3384CF}"/>
               </a:ext>
             </a:extLst>
           </p:cNvPr>
@@ -1450,7 +1450,7 @@
           <a:bodyPr/>
           <a:lstStyle/>
           <a:p>
-            <a:fld id="{23C01A52-0305-4442-8CFE-218AD46E2198}" type="slidenum">
+            <a:fld id="{BFC5C9EE-B59F-4AB1-B31E-3424B4ADB36A}" type="slidenum">
               <a:rPr lang="zh-CN" altLang="en-US" smtClean="0"/>
               <a:t>‹#›</a:t>
             </a:fld>
@@ -1461,7 +1461,7 @@
     </p:spTree>
     <p:extLst>
       <p:ext uri="{BB962C8B-B14F-4D97-AF65-F5344CB8AC3E}">
-        <p14:creationId xmlns:p14="http://schemas.microsoft.com/office/powerpoint/2010/main" val="1672724266"/>
+        <p14:creationId xmlns:p14="http://schemas.microsoft.com/office/powerpoint/2010/main" val="882730330"/>
       </p:ext>
     </p:extLst>
   </p:cSld>
@@ -1493,7 +1493,7 @@
           <p:cNvPr id="2" name="标题 1">
             <a:extLst>
               <a:ext uri="{FF2B5EF4-FFF2-40B4-BE49-F238E27FC236}">
-                <a16:creationId xmlns:a16="http://schemas.microsoft.com/office/drawing/2014/main" id="{66A91BAA-CA31-DF0E-DD4F-6F0C84985D33}"/>
+                <a16:creationId xmlns:a16="http://schemas.microsoft.com/office/drawing/2014/main" id="{3B3BAD5F-4909-728B-0F66-91E51DCE456B}"/>
               </a:ext>
             </a:extLst>
           </p:cNvPr>
@@ -1526,7 +1526,7 @@
           <p:cNvPr id="3" name="文本占位符 2">
             <a:extLst>
               <a:ext uri="{FF2B5EF4-FFF2-40B4-BE49-F238E27FC236}">
-                <a16:creationId xmlns:a16="http://schemas.microsoft.com/office/drawing/2014/main" id="{568D286E-E0F8-8D7C-1804-600B56C62C23}"/>
+                <a16:creationId xmlns:a16="http://schemas.microsoft.com/office/drawing/2014/main" id="{C46E4648-8A95-E623-D1BB-D65402AA176C}"/>
               </a:ext>
             </a:extLst>
           </p:cNvPr>
@@ -1597,7 +1597,7 @@
           <p:cNvPr id="4" name="内容占位符 3">
             <a:extLst>
               <a:ext uri="{FF2B5EF4-FFF2-40B4-BE49-F238E27FC236}">
-                <a16:creationId xmlns:a16="http://schemas.microsoft.com/office/drawing/2014/main" id="{65F2142C-22A4-E3E1-B841-C93BCCD88455}"/>
+                <a16:creationId xmlns:a16="http://schemas.microsoft.com/office/drawing/2014/main" id="{096B7F8F-8980-4B9A-9860-AA7F260CFEF0}"/>
               </a:ext>
             </a:extLst>
           </p:cNvPr>
@@ -1659,7 +1659,7 @@
           <p:cNvPr id="5" name="文本占位符 4">
             <a:extLst>
               <a:ext uri="{FF2B5EF4-FFF2-40B4-BE49-F238E27FC236}">
-                <a16:creationId xmlns:a16="http://schemas.microsoft.com/office/drawing/2014/main" id="{984345E6-1670-9B9B-A7CB-FDE92B87D620}"/>
+                <a16:creationId xmlns:a16="http://schemas.microsoft.com/office/drawing/2014/main" id="{EB84AFF3-6ABB-2163-640B-B8FA4F5A7CC1}"/>
               </a:ext>
             </a:extLst>
           </p:cNvPr>
@@ -1730,7 +1730,7 @@
           <p:cNvPr id="6" name="内容占位符 5">
             <a:extLst>
               <a:ext uri="{FF2B5EF4-FFF2-40B4-BE49-F238E27FC236}">
-                <a16:creationId xmlns:a16="http://schemas.microsoft.com/office/drawing/2014/main" id="{F119663C-A0E1-3F66-7EE3-9852BAE3D621}"/>
+                <a16:creationId xmlns:a16="http://schemas.microsoft.com/office/drawing/2014/main" id="{1EB02DF8-7574-5D5E-AD36-5F895A677A3C}"/>
               </a:ext>
             </a:extLst>
           </p:cNvPr>
@@ -1792,7 +1792,7 @@
           <p:cNvPr id="7" name="日期占位符 6">
             <a:extLst>
               <a:ext uri="{FF2B5EF4-FFF2-40B4-BE49-F238E27FC236}">
-                <a16:creationId xmlns:a16="http://schemas.microsoft.com/office/drawing/2014/main" id="{ADEB2F4B-D71E-2D91-69A4-B40BD3D36040}"/>
+                <a16:creationId xmlns:a16="http://schemas.microsoft.com/office/drawing/2014/main" id="{0F5F0A63-8296-530E-2130-E9D814D8AA90}"/>
               </a:ext>
             </a:extLst>
           </p:cNvPr>
@@ -1808,7 +1808,7 @@
           <a:bodyPr/>
           <a:lstStyle/>
           <a:p>
-            <a:fld id="{690654AA-EE5D-4B61-91C5-D26C267DF60B}" type="datetimeFigureOut">
+            <a:fld id="{CD18CEDD-E33A-468B-9741-2C77CE1449D1}" type="datetimeFigureOut">
               <a:rPr lang="zh-CN" altLang="en-US" smtClean="0"/>
               <a:t>2024/3/10</a:t>
             </a:fld>
@@ -1821,7 +1821,7 @@
           <p:cNvPr id="8" name="页脚占位符 7">
             <a:extLst>
               <a:ext uri="{FF2B5EF4-FFF2-40B4-BE49-F238E27FC236}">
-                <a16:creationId xmlns:a16="http://schemas.microsoft.com/office/drawing/2014/main" id="{DAF89433-D49E-2A7A-D2A6-1604F5C768E3}"/>
+                <a16:creationId xmlns:a16="http://schemas.microsoft.com/office/drawing/2014/main" id="{18FAE494-69BC-0A70-BC05-CA0654B1B63A}"/>
               </a:ext>
             </a:extLst>
           </p:cNvPr>
@@ -1846,7 +1846,7 @@
           <p:cNvPr id="9" name="灯片编号占位符 8">
             <a:extLst>
               <a:ext uri="{FF2B5EF4-FFF2-40B4-BE49-F238E27FC236}">
-                <a16:creationId xmlns:a16="http://schemas.microsoft.com/office/drawing/2014/main" id="{A23702FF-ADB1-187C-9933-2BB96217E0CD}"/>
+                <a16:creationId xmlns:a16="http://schemas.microsoft.com/office/drawing/2014/main" id="{BEF3AFC6-FD26-B1AC-48E7-8ECC20BCEEC7}"/>
               </a:ext>
             </a:extLst>
           </p:cNvPr>
@@ -1862,7 +1862,7 @@
           <a:bodyPr/>
           <a:lstStyle/>
           <a:p>
-            <a:fld id="{23C01A52-0305-4442-8CFE-218AD46E2198}" type="slidenum">
+            <a:fld id="{BFC5C9EE-B59F-4AB1-B31E-3424B4ADB36A}" type="slidenum">
               <a:rPr lang="zh-CN" altLang="en-US" smtClean="0"/>
               <a:t>‹#›</a:t>
             </a:fld>
@@ -1873,7 +1873,7 @@
     </p:spTree>
     <p:extLst>
       <p:ext uri="{BB962C8B-B14F-4D97-AF65-F5344CB8AC3E}">
-        <p14:creationId xmlns:p14="http://schemas.microsoft.com/office/powerpoint/2010/main" val="3697621565"/>
+        <p14:creationId xmlns:p14="http://schemas.microsoft.com/office/powerpoint/2010/main" val="1847358237"/>
       </p:ext>
     </p:extLst>
   </p:cSld>
@@ -1905,7 +1905,7 @@
           <p:cNvPr id="2" name="标题 1">
             <a:extLst>
               <a:ext uri="{FF2B5EF4-FFF2-40B4-BE49-F238E27FC236}">
-                <a16:creationId xmlns:a16="http://schemas.microsoft.com/office/drawing/2014/main" id="{63C0EF29-7CF3-56C1-D1F5-2FA07BF06C21}"/>
+                <a16:creationId xmlns:a16="http://schemas.microsoft.com/office/drawing/2014/main" id="{2A43A3A4-1932-C1BC-078E-41A53FD0D1F8}"/>
               </a:ext>
             </a:extLst>
           </p:cNvPr>
@@ -1933,7 +1933,7 @@
           <p:cNvPr id="3" name="日期占位符 2">
             <a:extLst>
               <a:ext uri="{FF2B5EF4-FFF2-40B4-BE49-F238E27FC236}">
-                <a16:creationId xmlns:a16="http://schemas.microsoft.com/office/drawing/2014/main" id="{B6E80AEC-0904-E249-784C-70C64E52B287}"/>
+                <a16:creationId xmlns:a16="http://schemas.microsoft.com/office/drawing/2014/main" id="{B3D16AAD-77D8-6F33-9A22-EB1156044961}"/>
               </a:ext>
             </a:extLst>
           </p:cNvPr>
@@ -1949,7 +1949,7 @@
           <a:bodyPr/>
           <a:lstStyle/>
           <a:p>
-            <a:fld id="{690654AA-EE5D-4B61-91C5-D26C267DF60B}" type="datetimeFigureOut">
+            <a:fld id="{CD18CEDD-E33A-468B-9741-2C77CE1449D1}" type="datetimeFigureOut">
               <a:rPr lang="zh-CN" altLang="en-US" smtClean="0"/>
               <a:t>2024/3/10</a:t>
             </a:fld>
@@ -1962,7 +1962,7 @@
           <p:cNvPr id="4" name="页脚占位符 3">
             <a:extLst>
               <a:ext uri="{FF2B5EF4-FFF2-40B4-BE49-F238E27FC236}">
-                <a16:creationId xmlns:a16="http://schemas.microsoft.com/office/drawing/2014/main" id="{709232EA-260F-5B8B-38EE-5573B2C4BF6E}"/>
+                <a16:creationId xmlns:a16="http://schemas.microsoft.com/office/drawing/2014/main" id="{5667198C-AF33-A199-FB54-9E9BEF784071}"/>
               </a:ext>
             </a:extLst>
           </p:cNvPr>
@@ -1987,7 +1987,7 @@
           <p:cNvPr id="5" name="灯片编号占位符 4">
             <a:extLst>
               <a:ext uri="{FF2B5EF4-FFF2-40B4-BE49-F238E27FC236}">
-                <a16:creationId xmlns:a16="http://schemas.microsoft.com/office/drawing/2014/main" id="{BE7586FF-437C-BD98-139F-37CB5C80E685}"/>
+                <a16:creationId xmlns:a16="http://schemas.microsoft.com/office/drawing/2014/main" id="{838D69D9-37AF-FEAA-E550-D7DFFF0EA9F8}"/>
               </a:ext>
             </a:extLst>
           </p:cNvPr>
@@ -2003,7 +2003,7 @@
           <a:bodyPr/>
           <a:lstStyle/>
           <a:p>
-            <a:fld id="{23C01A52-0305-4442-8CFE-218AD46E2198}" type="slidenum">
+            <a:fld id="{BFC5C9EE-B59F-4AB1-B31E-3424B4ADB36A}" type="slidenum">
               <a:rPr lang="zh-CN" altLang="en-US" smtClean="0"/>
               <a:t>‹#›</a:t>
             </a:fld>
@@ -2014,7 +2014,7 @@
     </p:spTree>
     <p:extLst>
       <p:ext uri="{BB962C8B-B14F-4D97-AF65-F5344CB8AC3E}">
-        <p14:creationId xmlns:p14="http://schemas.microsoft.com/office/powerpoint/2010/main" val="3987185779"/>
+        <p14:creationId xmlns:p14="http://schemas.microsoft.com/office/powerpoint/2010/main" val="3877402492"/>
       </p:ext>
     </p:extLst>
   </p:cSld>
@@ -2046,7 +2046,7 @@
           <p:cNvPr id="2" name="日期占位符 1">
             <a:extLst>
               <a:ext uri="{FF2B5EF4-FFF2-40B4-BE49-F238E27FC236}">
-                <a16:creationId xmlns:a16="http://schemas.microsoft.com/office/drawing/2014/main" id="{F627827C-8FA3-C949-333A-B44D38404722}"/>
+                <a16:creationId xmlns:a16="http://schemas.microsoft.com/office/drawing/2014/main" id="{840E30C0-92A7-81B8-E52B-72556A0A896B}"/>
               </a:ext>
             </a:extLst>
           </p:cNvPr>
@@ -2062,7 +2062,7 @@
           <a:bodyPr/>
           <a:lstStyle/>
           <a:p>
-            <a:fld id="{690654AA-EE5D-4B61-91C5-D26C267DF60B}" type="datetimeFigureOut">
+            <a:fld id="{CD18CEDD-E33A-468B-9741-2C77CE1449D1}" type="datetimeFigureOut">
               <a:rPr lang="zh-CN" altLang="en-US" smtClean="0"/>
               <a:t>2024/3/10</a:t>
             </a:fld>
@@ -2075,7 +2075,7 @@
           <p:cNvPr id="3" name="页脚占位符 2">
             <a:extLst>
               <a:ext uri="{FF2B5EF4-FFF2-40B4-BE49-F238E27FC236}">
-                <a16:creationId xmlns:a16="http://schemas.microsoft.com/office/drawing/2014/main" id="{65671DD4-3B47-540F-96AE-942C8302E40E}"/>
+                <a16:creationId xmlns:a16="http://schemas.microsoft.com/office/drawing/2014/main" id="{01B27CF7-A303-57A0-C280-E90D201BEA07}"/>
               </a:ext>
             </a:extLst>
           </p:cNvPr>
@@ -2100,7 +2100,7 @@
           <p:cNvPr id="4" name="灯片编号占位符 3">
             <a:extLst>
               <a:ext uri="{FF2B5EF4-FFF2-40B4-BE49-F238E27FC236}">
-                <a16:creationId xmlns:a16="http://schemas.microsoft.com/office/drawing/2014/main" id="{07AF5800-D3E8-E6F8-C610-85A6671B9F8E}"/>
+                <a16:creationId xmlns:a16="http://schemas.microsoft.com/office/drawing/2014/main" id="{B41B139B-CDBF-A400-662D-B4F1A4126DFA}"/>
               </a:ext>
             </a:extLst>
           </p:cNvPr>
@@ -2116,7 +2116,7 @@
           <a:bodyPr/>
           <a:lstStyle/>
           <a:p>
-            <a:fld id="{23C01A52-0305-4442-8CFE-218AD46E2198}" type="slidenum">
+            <a:fld id="{BFC5C9EE-B59F-4AB1-B31E-3424B4ADB36A}" type="slidenum">
               <a:rPr lang="zh-CN" altLang="en-US" smtClean="0"/>
               <a:t>‹#›</a:t>
             </a:fld>
@@ -2127,7 +2127,7 @@
     </p:spTree>
     <p:extLst>
       <p:ext uri="{BB962C8B-B14F-4D97-AF65-F5344CB8AC3E}">
-        <p14:creationId xmlns:p14="http://schemas.microsoft.com/office/powerpoint/2010/main" val="4074249483"/>
+        <p14:creationId xmlns:p14="http://schemas.microsoft.com/office/powerpoint/2010/main" val="4142445018"/>
       </p:ext>
     </p:extLst>
   </p:cSld>
@@ -2159,7 +2159,7 @@
           <p:cNvPr id="2" name="标题 1">
             <a:extLst>
               <a:ext uri="{FF2B5EF4-FFF2-40B4-BE49-F238E27FC236}">
-                <a16:creationId xmlns:a16="http://schemas.microsoft.com/office/drawing/2014/main" id="{BC720EBA-2B2E-8353-82C5-190150E4E838}"/>
+                <a16:creationId xmlns:a16="http://schemas.microsoft.com/office/drawing/2014/main" id="{2F42D87B-BB68-A54A-A7B4-7E9CC1F6BACC}"/>
               </a:ext>
             </a:extLst>
           </p:cNvPr>
@@ -2196,7 +2196,7 @@
           <p:cNvPr id="3" name="内容占位符 2">
             <a:extLst>
               <a:ext uri="{FF2B5EF4-FFF2-40B4-BE49-F238E27FC236}">
-                <a16:creationId xmlns:a16="http://schemas.microsoft.com/office/drawing/2014/main" id="{2147386F-1D45-9BE8-2B33-F0FA3CFC4436}"/>
+                <a16:creationId xmlns:a16="http://schemas.microsoft.com/office/drawing/2014/main" id="{FE4ADA9C-32CF-FBCE-C3A5-D9A1BF2A0321}"/>
               </a:ext>
             </a:extLst>
           </p:cNvPr>
@@ -2286,7 +2286,7 @@
           <p:cNvPr id="4" name="文本占位符 3">
             <a:extLst>
               <a:ext uri="{FF2B5EF4-FFF2-40B4-BE49-F238E27FC236}">
-                <a16:creationId xmlns:a16="http://schemas.microsoft.com/office/drawing/2014/main" id="{79D28CC1-B762-CD59-AD5F-F73DFA6BE487}"/>
+                <a16:creationId xmlns:a16="http://schemas.microsoft.com/office/drawing/2014/main" id="{80AC86E9-39A0-6E66-A6F1-EEC0CCC82FA9}"/>
               </a:ext>
             </a:extLst>
           </p:cNvPr>
@@ -2357,7 +2357,7 @@
           <p:cNvPr id="5" name="日期占位符 4">
             <a:extLst>
               <a:ext uri="{FF2B5EF4-FFF2-40B4-BE49-F238E27FC236}">
-                <a16:creationId xmlns:a16="http://schemas.microsoft.com/office/drawing/2014/main" id="{71A05AC1-6BE9-3C95-5450-B0B2BE31B243}"/>
+                <a16:creationId xmlns:a16="http://schemas.microsoft.com/office/drawing/2014/main" id="{AFCE6116-0E80-A87A-CF0D-312492398B85}"/>
               </a:ext>
             </a:extLst>
           </p:cNvPr>
@@ -2373,7 +2373,7 @@
           <a:bodyPr/>
           <a:lstStyle/>
           <a:p>
-            <a:fld id="{690654AA-EE5D-4B61-91C5-D26C267DF60B}" type="datetimeFigureOut">
+            <a:fld id="{CD18CEDD-E33A-468B-9741-2C77CE1449D1}" type="datetimeFigureOut">
               <a:rPr lang="zh-CN" altLang="en-US" smtClean="0"/>
               <a:t>2024/3/10</a:t>
             </a:fld>
@@ -2386,7 +2386,7 @@
           <p:cNvPr id="6" name="页脚占位符 5">
             <a:extLst>
               <a:ext uri="{FF2B5EF4-FFF2-40B4-BE49-F238E27FC236}">
-                <a16:creationId xmlns:a16="http://schemas.microsoft.com/office/drawing/2014/main" id="{15D4DDD5-BFFC-0DE4-531B-AEC08ACF6468}"/>
+                <a16:creationId xmlns:a16="http://schemas.microsoft.com/office/drawing/2014/main" id="{9E9BC2C7-15E3-C979-973E-02CF9658BEBD}"/>
               </a:ext>
             </a:extLst>
           </p:cNvPr>
@@ -2411,7 +2411,7 @@
           <p:cNvPr id="7" name="灯片编号占位符 6">
             <a:extLst>
               <a:ext uri="{FF2B5EF4-FFF2-40B4-BE49-F238E27FC236}">
-                <a16:creationId xmlns:a16="http://schemas.microsoft.com/office/drawing/2014/main" id="{4234971C-485B-D8B1-CCD3-CEDEAD9B723F}"/>
+                <a16:creationId xmlns:a16="http://schemas.microsoft.com/office/drawing/2014/main" id="{440477A3-37DD-68C8-EE0D-07BE200A0F21}"/>
               </a:ext>
             </a:extLst>
           </p:cNvPr>
@@ -2427,7 +2427,7 @@
           <a:bodyPr/>
           <a:lstStyle/>
           <a:p>
-            <a:fld id="{23C01A52-0305-4442-8CFE-218AD46E2198}" type="slidenum">
+            <a:fld id="{BFC5C9EE-B59F-4AB1-B31E-3424B4ADB36A}" type="slidenum">
               <a:rPr lang="zh-CN" altLang="en-US" smtClean="0"/>
               <a:t>‹#›</a:t>
             </a:fld>
@@ -2438,7 +2438,7 @@
     </p:spTree>
     <p:extLst>
       <p:ext uri="{BB962C8B-B14F-4D97-AF65-F5344CB8AC3E}">
-        <p14:creationId xmlns:p14="http://schemas.microsoft.com/office/powerpoint/2010/main" val="868453863"/>
+        <p14:creationId xmlns:p14="http://schemas.microsoft.com/office/powerpoint/2010/main" val="3087176269"/>
       </p:ext>
     </p:extLst>
   </p:cSld>
@@ -2470,7 +2470,7 @@
           <p:cNvPr id="2" name="标题 1">
             <a:extLst>
               <a:ext uri="{FF2B5EF4-FFF2-40B4-BE49-F238E27FC236}">
-                <a16:creationId xmlns:a16="http://schemas.microsoft.com/office/drawing/2014/main" id="{7F6444C3-C54A-8419-837F-F9320902B59D}"/>
+                <a16:creationId xmlns:a16="http://schemas.microsoft.com/office/drawing/2014/main" id="{58313CDC-C43B-9EA8-A421-341AD037953A}"/>
               </a:ext>
             </a:extLst>
           </p:cNvPr>
@@ -2507,7 +2507,7 @@
           <p:cNvPr id="3" name="图片占位符 2">
             <a:extLst>
               <a:ext uri="{FF2B5EF4-FFF2-40B4-BE49-F238E27FC236}">
-                <a16:creationId xmlns:a16="http://schemas.microsoft.com/office/drawing/2014/main" id="{428328A2-9958-EFCE-9CEB-38E5B1A5C628}"/>
+                <a16:creationId xmlns:a16="http://schemas.microsoft.com/office/drawing/2014/main" id="{2D100E24-B4DD-5511-FA6C-C7A84DAE7A39}"/>
               </a:ext>
             </a:extLst>
           </p:cNvPr>
@@ -2574,7 +2574,7 @@
           <p:cNvPr id="4" name="文本占位符 3">
             <a:extLst>
               <a:ext uri="{FF2B5EF4-FFF2-40B4-BE49-F238E27FC236}">
-                <a16:creationId xmlns:a16="http://schemas.microsoft.com/office/drawing/2014/main" id="{E10B9FD5-4C5C-9B06-B19C-24619ECD1385}"/>
+                <a16:creationId xmlns:a16="http://schemas.microsoft.com/office/drawing/2014/main" id="{C2D08910-AF15-EADE-80CE-15C1B1A00043}"/>
               </a:ext>
             </a:extLst>
           </p:cNvPr>
@@ -2645,7 +2645,7 @@
           <p:cNvPr id="5" name="日期占位符 4">
             <a:extLst>
               <a:ext uri="{FF2B5EF4-FFF2-40B4-BE49-F238E27FC236}">
-                <a16:creationId xmlns:a16="http://schemas.microsoft.com/office/drawing/2014/main" id="{7F68F937-C655-0C6D-66F4-4E3CAEA474EF}"/>
+                <a16:creationId xmlns:a16="http://schemas.microsoft.com/office/drawing/2014/main" id="{2538257F-349B-360F-A264-168C11DB4E27}"/>
               </a:ext>
             </a:extLst>
           </p:cNvPr>
@@ -2661,7 +2661,7 @@
           <a:bodyPr/>
           <a:lstStyle/>
           <a:p>
-            <a:fld id="{690654AA-EE5D-4B61-91C5-D26C267DF60B}" type="datetimeFigureOut">
+            <a:fld id="{CD18CEDD-E33A-468B-9741-2C77CE1449D1}" type="datetimeFigureOut">
               <a:rPr lang="zh-CN" altLang="en-US" smtClean="0"/>
               <a:t>2024/3/10</a:t>
             </a:fld>
@@ -2674,7 +2674,7 @@
           <p:cNvPr id="6" name="页脚占位符 5">
             <a:extLst>
               <a:ext uri="{FF2B5EF4-FFF2-40B4-BE49-F238E27FC236}">
-                <a16:creationId xmlns:a16="http://schemas.microsoft.com/office/drawing/2014/main" id="{D04E9ABD-909B-703B-801E-0D482F3E3005}"/>
+                <a16:creationId xmlns:a16="http://schemas.microsoft.com/office/drawing/2014/main" id="{75723553-7E8E-EEED-1839-479CBE922952}"/>
               </a:ext>
             </a:extLst>
           </p:cNvPr>
@@ -2699,7 +2699,7 @@
           <p:cNvPr id="7" name="灯片编号占位符 6">
             <a:extLst>
               <a:ext uri="{FF2B5EF4-FFF2-40B4-BE49-F238E27FC236}">
-                <a16:creationId xmlns:a16="http://schemas.microsoft.com/office/drawing/2014/main" id="{4D5954F5-F174-B052-460E-9D91297E4DB8}"/>
+                <a16:creationId xmlns:a16="http://schemas.microsoft.com/office/drawing/2014/main" id="{6B9D684B-BC49-563D-7CD4-502593875833}"/>
               </a:ext>
             </a:extLst>
           </p:cNvPr>
@@ -2715,7 +2715,7 @@
           <a:bodyPr/>
           <a:lstStyle/>
           <a:p>
-            <a:fld id="{23C01A52-0305-4442-8CFE-218AD46E2198}" type="slidenum">
+            <a:fld id="{BFC5C9EE-B59F-4AB1-B31E-3424B4ADB36A}" type="slidenum">
               <a:rPr lang="zh-CN" altLang="en-US" smtClean="0"/>
               <a:t>‹#›</a:t>
             </a:fld>
@@ -2726,7 +2726,7 @@
     </p:spTree>
     <p:extLst>
       <p:ext uri="{BB962C8B-B14F-4D97-AF65-F5344CB8AC3E}">
-        <p14:creationId xmlns:p14="http://schemas.microsoft.com/office/powerpoint/2010/main" val="713719309"/>
+        <p14:creationId xmlns:p14="http://schemas.microsoft.com/office/powerpoint/2010/main" val="258896161"/>
       </p:ext>
     </p:extLst>
   </p:cSld>
@@ -2763,7 +2763,7 @@
           <p:cNvPr id="2" name="标题占位符 1">
             <a:extLst>
               <a:ext uri="{FF2B5EF4-FFF2-40B4-BE49-F238E27FC236}">
-                <a16:creationId xmlns:a16="http://schemas.microsoft.com/office/drawing/2014/main" id="{D8A2D2DC-E8EA-44E9-F1E5-C9BC8DB47A42}"/>
+                <a16:creationId xmlns:a16="http://schemas.microsoft.com/office/drawing/2014/main" id="{BD057BFF-1737-2579-CAAC-0951E0D3F228}"/>
               </a:ext>
             </a:extLst>
           </p:cNvPr>
@@ -2801,7 +2801,7 @@
           <p:cNvPr id="3" name="文本占位符 2">
             <a:extLst>
               <a:ext uri="{FF2B5EF4-FFF2-40B4-BE49-F238E27FC236}">
-                <a16:creationId xmlns:a16="http://schemas.microsoft.com/office/drawing/2014/main" id="{DBE5BC4C-68D3-3DBE-DF0C-360C64E3B7BE}"/>
+                <a16:creationId xmlns:a16="http://schemas.microsoft.com/office/drawing/2014/main" id="{C5751816-0E84-4D4B-C0A2-6F660C3BD9AE}"/>
               </a:ext>
             </a:extLst>
           </p:cNvPr>
@@ -2868,7 +2868,7 @@
           <p:cNvPr id="4" name="日期占位符 3">
             <a:extLst>
               <a:ext uri="{FF2B5EF4-FFF2-40B4-BE49-F238E27FC236}">
-                <a16:creationId xmlns:a16="http://schemas.microsoft.com/office/drawing/2014/main" id="{2A3006B6-70A4-3B1F-AF5B-DFB8E118EC22}"/>
+                <a16:creationId xmlns:a16="http://schemas.microsoft.com/office/drawing/2014/main" id="{192B2D0D-637C-05FC-42EF-26E21B24F0F5}"/>
               </a:ext>
             </a:extLst>
           </p:cNvPr>
@@ -2902,7 +2902,7 @@
             </a:lvl1pPr>
           </a:lstStyle>
           <a:p>
-            <a:fld id="{690654AA-EE5D-4B61-91C5-D26C267DF60B}" type="datetimeFigureOut">
+            <a:fld id="{CD18CEDD-E33A-468B-9741-2C77CE1449D1}" type="datetimeFigureOut">
               <a:rPr lang="zh-CN" altLang="en-US" smtClean="0"/>
               <a:t>2024/3/10</a:t>
             </a:fld>
@@ -2915,7 +2915,7 @@
           <p:cNvPr id="5" name="页脚占位符 4">
             <a:extLst>
               <a:ext uri="{FF2B5EF4-FFF2-40B4-BE49-F238E27FC236}">
-                <a16:creationId xmlns:a16="http://schemas.microsoft.com/office/drawing/2014/main" id="{0642D9AE-F937-D678-1E01-5DC6ABD90D6C}"/>
+                <a16:creationId xmlns:a16="http://schemas.microsoft.com/office/drawing/2014/main" id="{C178A66A-9E70-D5BF-B79E-2468DC19C604}"/>
               </a:ext>
             </a:extLst>
           </p:cNvPr>
@@ -2958,7 +2958,7 @@
           <p:cNvPr id="6" name="灯片编号占位符 5">
             <a:extLst>
               <a:ext uri="{FF2B5EF4-FFF2-40B4-BE49-F238E27FC236}">
-                <a16:creationId xmlns:a16="http://schemas.microsoft.com/office/drawing/2014/main" id="{2BE1ABAB-FE64-3A3B-FB06-F0EB4867DAE4}"/>
+                <a16:creationId xmlns:a16="http://schemas.microsoft.com/office/drawing/2014/main" id="{6D262348-F253-B736-0A93-90DD1C953389}"/>
               </a:ext>
             </a:extLst>
           </p:cNvPr>
@@ -2992,7 +2992,7 @@
             </a:lvl1pPr>
           </a:lstStyle>
           <a:p>
-            <a:fld id="{23C01A52-0305-4442-8CFE-218AD46E2198}" type="slidenum">
+            <a:fld id="{BFC5C9EE-B59F-4AB1-B31E-3424B4ADB36A}" type="slidenum">
               <a:rPr lang="zh-CN" altLang="en-US" smtClean="0"/>
               <a:t>‹#›</a:t>
             </a:fld>
@@ -3003,7 +3003,7 @@
     </p:spTree>
     <p:extLst>
       <p:ext uri="{BB962C8B-B14F-4D97-AF65-F5344CB8AC3E}">
-        <p14:creationId xmlns:p14="http://schemas.microsoft.com/office/powerpoint/2010/main" val="2639761977"/>
+        <p14:creationId xmlns:p14="http://schemas.microsoft.com/office/powerpoint/2010/main" val="2550068895"/>
       </p:ext>
     </p:extLst>
   </p:cSld>
@@ -3323,7 +3323,7 @@
       </p:grpSpPr>
       <p:pic>
         <p:nvPicPr>
-          <p:cNvPr id="1623042" name="Picture 2" descr="1584"/>
+          <p:cNvPr id="1624066" name="Picture 2" descr="1585"/>
           <p:cNvPicPr>
             <a:picLocks noChangeAspect="1" noChangeArrowheads="1"/>
           </p:cNvPicPr>
@@ -3375,11 +3375,158 @@
           </a:extLst>
         </p:spPr>
       </p:pic>
+      <p:pic>
+        <p:nvPicPr>
+          <p:cNvPr id="1625091" name="Picture 3" descr="1585-2"/>
+          <p:cNvPicPr>
+            <a:picLocks noChangeAspect="1" noChangeArrowheads="1"/>
+          </p:cNvPicPr>
+          <p:nvPr/>
+        </p:nvPicPr>
+        <p:blipFill>
+          <a:blip r:embed="rId3">
+            <a:extLst>
+              <a:ext uri="{28A0092B-C50C-407E-A947-70E740481C1C}">
+                <a14:useLocalDpi xmlns:a14="http://schemas.microsoft.com/office/drawing/2010/main" val="0"/>
+              </a:ext>
+            </a:extLst>
+          </a:blip>
+          <a:srcRect/>
+          <a:stretch>
+            <a:fillRect/>
+          </a:stretch>
+        </p:blipFill>
+        <p:spPr bwMode="auto">
+          <a:xfrm>
+            <a:off x="1524000" y="1589"/>
+            <a:ext cx="9124950" cy="6884987"/>
+          </a:xfrm>
+          <a:prstGeom prst="rect">
+            <a:avLst/>
+          </a:prstGeom>
+          <a:noFill/>
+          <a:ln>
+            <a:noFill/>
+          </a:ln>
+          <a:effectLst/>
+          <a:extLst>
+            <a:ext uri="{909E8E84-426E-40DD-AFC4-6F175D3DCCD1}">
+              <a14:hiddenFill xmlns:a14="http://schemas.microsoft.com/office/drawing/2010/main">
+                <a:solidFill>
+                  <a:srgbClr val="FFFFFF"/>
+                </a:solidFill>
+              </a14:hiddenFill>
+            </a:ext>
+            <a:ext uri="{91240B29-F687-4F45-9708-019B960494DF}">
+              <a14:hiddenLine xmlns:a14="http://schemas.microsoft.com/office/drawing/2010/main" w="9525">
+                <a:solidFill>
+                  <a:srgbClr val="000000"/>
+                </a:solidFill>
+                <a:miter lim="800000"/>
+                <a:headEnd/>
+                <a:tailEnd/>
+              </a14:hiddenLine>
+            </a:ext>
+            <a:ext uri="{AF507438-7753-43E0-B8FC-AC1667EBCBE1}">
+              <a14:hiddenEffects xmlns:a14="http://schemas.microsoft.com/office/drawing/2010/main">
+                <a:effectLst>
+                  <a:outerShdw dist="35921" dir="2700000" algn="ctr" rotWithShape="0">
+                    <a:srgbClr val="808080"/>
+                  </a:outerShdw>
+                </a:effectLst>
+              </a14:hiddenEffects>
+            </a:ext>
+          </a:extLst>
+        </p:spPr>
+      </p:pic>
     </p:spTree>
   </p:cSld>
   <p:clrMapOvr>
     <a:masterClrMapping/>
   </p:clrMapOvr>
+  <p:timing>
+    <p:tnLst>
+      <p:par>
+        <p:cTn id="1" dur="indefinite" restart="never" nodeType="tmRoot">
+          <p:childTnLst>
+            <p:seq concurrent="1" nextAc="seek">
+              <p:cTn id="2" dur="indefinite" nodeType="mainSeq">
+                <p:childTnLst>
+                  <p:par>
+                    <p:cTn id="3" fill="hold" nodeType="clickPar">
+                      <p:stCondLst>
+                        <p:cond delay="indefinite"/>
+                      </p:stCondLst>
+                      <p:childTnLst>
+                        <p:par>
+                          <p:cTn id="4" fill="hold" nodeType="withGroup">
+                            <p:stCondLst>
+                              <p:cond delay="0"/>
+                            </p:stCondLst>
+                            <p:childTnLst>
+                              <p:par>
+                                <p:cTn id="5" presetID="10" presetClass="entr" presetSubtype="0" fill="hold" nodeType="clickEffect">
+                                  <p:stCondLst>
+                                    <p:cond delay="0"/>
+                                  </p:stCondLst>
+                                  <p:childTnLst>
+                                    <p:set>
+                                      <p:cBhvr>
+                                        <p:cTn id="6" dur="1" fill="hold">
+                                          <p:stCondLst>
+                                            <p:cond delay="0"/>
+                                          </p:stCondLst>
+                                        </p:cTn>
+                                        <p:tgtEl>
+                                          <p:spTgt spid="1625091"/>
+                                        </p:tgtEl>
+                                        <p:attrNameLst>
+                                          <p:attrName>style.visibility</p:attrName>
+                                        </p:attrNameLst>
+                                      </p:cBhvr>
+                                      <p:to>
+                                        <p:strVal val="visible"/>
+                                      </p:to>
+                                    </p:set>
+                                    <p:animEffect transition="in" filter="fade">
+                                      <p:cBhvr>
+                                        <p:cTn id="7" dur="500"/>
+                                        <p:tgtEl>
+                                          <p:spTgt spid="1625091"/>
+                                        </p:tgtEl>
+                                      </p:cBhvr>
+                                    </p:animEffect>
+                                  </p:childTnLst>
+                                </p:cTn>
+                              </p:par>
+                            </p:childTnLst>
+                          </p:cTn>
+                        </p:par>
+                      </p:childTnLst>
+                    </p:cTn>
+                  </p:par>
+                </p:childTnLst>
+              </p:cTn>
+              <p:prevCondLst>
+                <p:cond evt="onPrev" delay="0">
+                  <p:tgtEl>
+                    <p:sldTgt/>
+                  </p:tgtEl>
+                </p:cond>
+              </p:prevCondLst>
+              <p:nextCondLst>
+                <p:cond evt="onNext" delay="0">
+                  <p:tgtEl>
+                    <p:sldTgt/>
+                  </p:tgtEl>
+                </p:cond>
+              </p:nextCondLst>
+            </p:seq>
+          </p:childTnLst>
+        </p:cTn>
+      </p:par>
+    </p:tnLst>
+  </p:timing>
 </p:sld>
 </file>
 
